--- a/ppt 16-9/1364.耶和华必时常引.pptx
+++ b/ppt 16-9/1364.耶和华必时常引.pptx
@@ -129,7 +129,7 @@
           <p:cNvPr id="2" name="标题 1">
             <a:extLst>
               <a:ext uri="{FF2B5EF4-FFF2-40B4-BE49-F238E27FC236}">
-                <a16:creationId xmlns:a16="http://schemas.microsoft.com/office/drawing/2014/main" id="{C78100AA-35E7-F9A5-84C9-68A10E201F3B}"/>
+                <a16:creationId xmlns:a16="http://schemas.microsoft.com/office/drawing/2014/main" id="{A6A6BEA8-2BA9-DFD7-2475-F17927BEC1EC}"/>
               </a:ext>
             </a:extLst>
           </p:cNvPr>
@@ -166,7 +166,7 @@
           <p:cNvPr id="3" name="副标题 2">
             <a:extLst>
               <a:ext uri="{FF2B5EF4-FFF2-40B4-BE49-F238E27FC236}">
-                <a16:creationId xmlns:a16="http://schemas.microsoft.com/office/drawing/2014/main" id="{BE6C6878-DAFB-1167-F44A-CF04DEAA1BF8}"/>
+                <a16:creationId xmlns:a16="http://schemas.microsoft.com/office/drawing/2014/main" id="{6D1FCE2B-3C39-E8DC-A0BE-6B2FD061772F}"/>
               </a:ext>
             </a:extLst>
           </p:cNvPr>
@@ -236,7 +236,7 @@
           <p:cNvPr id="4" name="日期占位符 3">
             <a:extLst>
               <a:ext uri="{FF2B5EF4-FFF2-40B4-BE49-F238E27FC236}">
-                <a16:creationId xmlns:a16="http://schemas.microsoft.com/office/drawing/2014/main" id="{DF7001CF-4F87-8F51-1B85-35EACAD53800}"/>
+                <a16:creationId xmlns:a16="http://schemas.microsoft.com/office/drawing/2014/main" id="{7C447E93-CB21-34D4-DA4D-58E84580699F}"/>
               </a:ext>
             </a:extLst>
           </p:cNvPr>
@@ -252,7 +252,7 @@
           <a:bodyPr/>
           <a:lstStyle/>
           <a:p>
-            <a:fld id="{CF7C77BD-5365-45E4-95D4-07A5E043C1C2}" type="datetimeFigureOut">
+            <a:fld id="{5677939C-6B6B-40A6-9E40-32BF38431AF4}" type="datetimeFigureOut">
               <a:rPr lang="zh-CN" altLang="en-US" smtClean="0"/>
               <a:t>2024/3/10</a:t>
             </a:fld>
@@ -265,7 +265,7 @@
           <p:cNvPr id="5" name="页脚占位符 4">
             <a:extLst>
               <a:ext uri="{FF2B5EF4-FFF2-40B4-BE49-F238E27FC236}">
-                <a16:creationId xmlns:a16="http://schemas.microsoft.com/office/drawing/2014/main" id="{EA7C502D-D916-C16D-628B-E0C5DC1FAAC5}"/>
+                <a16:creationId xmlns:a16="http://schemas.microsoft.com/office/drawing/2014/main" id="{7A405B42-6A18-26C7-FF14-8B3E9A2F88DA}"/>
               </a:ext>
             </a:extLst>
           </p:cNvPr>
@@ -290,7 +290,7 @@
           <p:cNvPr id="6" name="灯片编号占位符 5">
             <a:extLst>
               <a:ext uri="{FF2B5EF4-FFF2-40B4-BE49-F238E27FC236}">
-                <a16:creationId xmlns:a16="http://schemas.microsoft.com/office/drawing/2014/main" id="{6A011663-E8B5-F59D-4384-650D8BC825C9}"/>
+                <a16:creationId xmlns:a16="http://schemas.microsoft.com/office/drawing/2014/main" id="{E2DB3025-13A8-C4EF-D9FE-8B29F8215F38}"/>
               </a:ext>
             </a:extLst>
           </p:cNvPr>
@@ -306,7 +306,7 @@
           <a:bodyPr/>
           <a:lstStyle/>
           <a:p>
-            <a:fld id="{D10F5E9B-D785-4139-A7A2-68B410F144E6}" type="slidenum">
+            <a:fld id="{31C3466B-5ACE-4AA1-9E47-DA064A500066}" type="slidenum">
               <a:rPr lang="zh-CN" altLang="en-US" smtClean="0"/>
               <a:t>‹#›</a:t>
             </a:fld>
@@ -317,7 +317,7 @@
     </p:spTree>
     <p:extLst>
       <p:ext uri="{BB962C8B-B14F-4D97-AF65-F5344CB8AC3E}">
-        <p14:creationId xmlns:p14="http://schemas.microsoft.com/office/powerpoint/2010/main" val="3820162070"/>
+        <p14:creationId xmlns:p14="http://schemas.microsoft.com/office/powerpoint/2010/main" val="418546913"/>
       </p:ext>
     </p:extLst>
   </p:cSld>
@@ -349,7 +349,7 @@
           <p:cNvPr id="2" name="标题 1">
             <a:extLst>
               <a:ext uri="{FF2B5EF4-FFF2-40B4-BE49-F238E27FC236}">
-                <a16:creationId xmlns:a16="http://schemas.microsoft.com/office/drawing/2014/main" id="{0171724A-5D1B-A99F-EDC4-3C9B86BED90A}"/>
+                <a16:creationId xmlns:a16="http://schemas.microsoft.com/office/drawing/2014/main" id="{73375656-53DC-C105-3715-0D3B8810E5C2}"/>
               </a:ext>
             </a:extLst>
           </p:cNvPr>
@@ -377,7 +377,7 @@
           <p:cNvPr id="3" name="竖排文字占位符 2">
             <a:extLst>
               <a:ext uri="{FF2B5EF4-FFF2-40B4-BE49-F238E27FC236}">
-                <a16:creationId xmlns:a16="http://schemas.microsoft.com/office/drawing/2014/main" id="{61EB9F9E-8F5C-EB3D-FE02-DAB12B67E357}"/>
+                <a16:creationId xmlns:a16="http://schemas.microsoft.com/office/drawing/2014/main" id="{DDFFFE0A-3B35-54D3-A945-DA372D11DDF5}"/>
               </a:ext>
             </a:extLst>
           </p:cNvPr>
@@ -434,7 +434,7 @@
           <p:cNvPr id="4" name="日期占位符 3">
             <a:extLst>
               <a:ext uri="{FF2B5EF4-FFF2-40B4-BE49-F238E27FC236}">
-                <a16:creationId xmlns:a16="http://schemas.microsoft.com/office/drawing/2014/main" id="{865338FA-C580-56C2-D73C-FA6DE105CE93}"/>
+                <a16:creationId xmlns:a16="http://schemas.microsoft.com/office/drawing/2014/main" id="{BBEE5E87-5771-1E04-C4C3-E04CD5D1F9DF}"/>
               </a:ext>
             </a:extLst>
           </p:cNvPr>
@@ -450,7 +450,7 @@
           <a:bodyPr/>
           <a:lstStyle/>
           <a:p>
-            <a:fld id="{CF7C77BD-5365-45E4-95D4-07A5E043C1C2}" type="datetimeFigureOut">
+            <a:fld id="{5677939C-6B6B-40A6-9E40-32BF38431AF4}" type="datetimeFigureOut">
               <a:rPr lang="zh-CN" altLang="en-US" smtClean="0"/>
               <a:t>2024/3/10</a:t>
             </a:fld>
@@ -463,7 +463,7 @@
           <p:cNvPr id="5" name="页脚占位符 4">
             <a:extLst>
               <a:ext uri="{FF2B5EF4-FFF2-40B4-BE49-F238E27FC236}">
-                <a16:creationId xmlns:a16="http://schemas.microsoft.com/office/drawing/2014/main" id="{FC58F69B-0D28-53CD-5BCA-1B00B5B24336}"/>
+                <a16:creationId xmlns:a16="http://schemas.microsoft.com/office/drawing/2014/main" id="{9115458F-EB79-9089-7955-91959621671F}"/>
               </a:ext>
             </a:extLst>
           </p:cNvPr>
@@ -488,7 +488,7 @@
           <p:cNvPr id="6" name="灯片编号占位符 5">
             <a:extLst>
               <a:ext uri="{FF2B5EF4-FFF2-40B4-BE49-F238E27FC236}">
-                <a16:creationId xmlns:a16="http://schemas.microsoft.com/office/drawing/2014/main" id="{7C37D707-8DAB-C44B-38E0-D8C61612C1B5}"/>
+                <a16:creationId xmlns:a16="http://schemas.microsoft.com/office/drawing/2014/main" id="{428BCC59-298C-49C6-507E-28036F4D0990}"/>
               </a:ext>
             </a:extLst>
           </p:cNvPr>
@@ -504,7 +504,7 @@
           <a:bodyPr/>
           <a:lstStyle/>
           <a:p>
-            <a:fld id="{D10F5E9B-D785-4139-A7A2-68B410F144E6}" type="slidenum">
+            <a:fld id="{31C3466B-5ACE-4AA1-9E47-DA064A500066}" type="slidenum">
               <a:rPr lang="zh-CN" altLang="en-US" smtClean="0"/>
               <a:t>‹#›</a:t>
             </a:fld>
@@ -515,7 +515,7 @@
     </p:spTree>
     <p:extLst>
       <p:ext uri="{BB962C8B-B14F-4D97-AF65-F5344CB8AC3E}">
-        <p14:creationId xmlns:p14="http://schemas.microsoft.com/office/powerpoint/2010/main" val="2006215397"/>
+        <p14:creationId xmlns:p14="http://schemas.microsoft.com/office/powerpoint/2010/main" val="2874605153"/>
       </p:ext>
     </p:extLst>
   </p:cSld>
@@ -547,7 +547,7 @@
           <p:cNvPr id="2" name="竖排标题 1">
             <a:extLst>
               <a:ext uri="{FF2B5EF4-FFF2-40B4-BE49-F238E27FC236}">
-                <a16:creationId xmlns:a16="http://schemas.microsoft.com/office/drawing/2014/main" id="{2650A7FD-88D4-50A9-5745-93A2B8B188DB}"/>
+                <a16:creationId xmlns:a16="http://schemas.microsoft.com/office/drawing/2014/main" id="{DE325178-CCC0-4B21-39D3-E32C7365BD3F}"/>
               </a:ext>
             </a:extLst>
           </p:cNvPr>
@@ -580,7 +580,7 @@
           <p:cNvPr id="3" name="竖排文字占位符 2">
             <a:extLst>
               <a:ext uri="{FF2B5EF4-FFF2-40B4-BE49-F238E27FC236}">
-                <a16:creationId xmlns:a16="http://schemas.microsoft.com/office/drawing/2014/main" id="{35CBEF6A-05EB-C72C-33A2-7C1AE64B6170}"/>
+                <a16:creationId xmlns:a16="http://schemas.microsoft.com/office/drawing/2014/main" id="{1BBE61EB-2E3E-A0C1-1C33-2C92F8601909}"/>
               </a:ext>
             </a:extLst>
           </p:cNvPr>
@@ -642,7 +642,7 @@
           <p:cNvPr id="4" name="日期占位符 3">
             <a:extLst>
               <a:ext uri="{FF2B5EF4-FFF2-40B4-BE49-F238E27FC236}">
-                <a16:creationId xmlns:a16="http://schemas.microsoft.com/office/drawing/2014/main" id="{3CC6CA4C-DF72-8C71-0409-673690DB3D29}"/>
+                <a16:creationId xmlns:a16="http://schemas.microsoft.com/office/drawing/2014/main" id="{F6A4462F-82C3-2874-F0FF-9F308AF3C0CD}"/>
               </a:ext>
             </a:extLst>
           </p:cNvPr>
@@ -658,7 +658,7 @@
           <a:bodyPr/>
           <a:lstStyle/>
           <a:p>
-            <a:fld id="{CF7C77BD-5365-45E4-95D4-07A5E043C1C2}" type="datetimeFigureOut">
+            <a:fld id="{5677939C-6B6B-40A6-9E40-32BF38431AF4}" type="datetimeFigureOut">
               <a:rPr lang="zh-CN" altLang="en-US" smtClean="0"/>
               <a:t>2024/3/10</a:t>
             </a:fld>
@@ -671,7 +671,7 @@
           <p:cNvPr id="5" name="页脚占位符 4">
             <a:extLst>
               <a:ext uri="{FF2B5EF4-FFF2-40B4-BE49-F238E27FC236}">
-                <a16:creationId xmlns:a16="http://schemas.microsoft.com/office/drawing/2014/main" id="{DB05FB6D-1EB5-A23A-0067-6D5B80963F0C}"/>
+                <a16:creationId xmlns:a16="http://schemas.microsoft.com/office/drawing/2014/main" id="{D58F9D98-9FD7-3A08-9B22-DE2D13B04868}"/>
               </a:ext>
             </a:extLst>
           </p:cNvPr>
@@ -696,7 +696,7 @@
           <p:cNvPr id="6" name="灯片编号占位符 5">
             <a:extLst>
               <a:ext uri="{FF2B5EF4-FFF2-40B4-BE49-F238E27FC236}">
-                <a16:creationId xmlns:a16="http://schemas.microsoft.com/office/drawing/2014/main" id="{E20A0412-02CE-FD7D-4FF9-1C402BB48D60}"/>
+                <a16:creationId xmlns:a16="http://schemas.microsoft.com/office/drawing/2014/main" id="{85F1DEBC-B065-2068-EBAA-3CED576E6775}"/>
               </a:ext>
             </a:extLst>
           </p:cNvPr>
@@ -712,7 +712,7 @@
           <a:bodyPr/>
           <a:lstStyle/>
           <a:p>
-            <a:fld id="{D10F5E9B-D785-4139-A7A2-68B410F144E6}" type="slidenum">
+            <a:fld id="{31C3466B-5ACE-4AA1-9E47-DA064A500066}" type="slidenum">
               <a:rPr lang="zh-CN" altLang="en-US" smtClean="0"/>
               <a:t>‹#›</a:t>
             </a:fld>
@@ -723,7 +723,7 @@
     </p:spTree>
     <p:extLst>
       <p:ext uri="{BB962C8B-B14F-4D97-AF65-F5344CB8AC3E}">
-        <p14:creationId xmlns:p14="http://schemas.microsoft.com/office/powerpoint/2010/main" val="3988501617"/>
+        <p14:creationId xmlns:p14="http://schemas.microsoft.com/office/powerpoint/2010/main" val="3278075985"/>
       </p:ext>
     </p:extLst>
   </p:cSld>
@@ -755,7 +755,7 @@
           <p:cNvPr id="2" name="标题 1">
             <a:extLst>
               <a:ext uri="{FF2B5EF4-FFF2-40B4-BE49-F238E27FC236}">
-                <a16:creationId xmlns:a16="http://schemas.microsoft.com/office/drawing/2014/main" id="{C329FB30-132F-3C80-88D1-5FB5C54550B3}"/>
+                <a16:creationId xmlns:a16="http://schemas.microsoft.com/office/drawing/2014/main" id="{B3DB47A7-173D-FD55-397E-77E3F1E4642D}"/>
               </a:ext>
             </a:extLst>
           </p:cNvPr>
@@ -783,7 +783,7 @@
           <p:cNvPr id="3" name="内容占位符 2">
             <a:extLst>
               <a:ext uri="{FF2B5EF4-FFF2-40B4-BE49-F238E27FC236}">
-                <a16:creationId xmlns:a16="http://schemas.microsoft.com/office/drawing/2014/main" id="{0C361424-F9F3-0526-9B7F-E0DC90016F0A}"/>
+                <a16:creationId xmlns:a16="http://schemas.microsoft.com/office/drawing/2014/main" id="{3272B0F6-7907-FCE5-22C0-728D901AEBCA}"/>
               </a:ext>
             </a:extLst>
           </p:cNvPr>
@@ -840,7 +840,7 @@
           <p:cNvPr id="4" name="日期占位符 3">
             <a:extLst>
               <a:ext uri="{FF2B5EF4-FFF2-40B4-BE49-F238E27FC236}">
-                <a16:creationId xmlns:a16="http://schemas.microsoft.com/office/drawing/2014/main" id="{4D734509-5FBB-34AE-97A1-0938D4CA60B8}"/>
+                <a16:creationId xmlns:a16="http://schemas.microsoft.com/office/drawing/2014/main" id="{2AAA6959-A22D-4956-409C-621C780CF0CA}"/>
               </a:ext>
             </a:extLst>
           </p:cNvPr>
@@ -856,7 +856,7 @@
           <a:bodyPr/>
           <a:lstStyle/>
           <a:p>
-            <a:fld id="{CF7C77BD-5365-45E4-95D4-07A5E043C1C2}" type="datetimeFigureOut">
+            <a:fld id="{5677939C-6B6B-40A6-9E40-32BF38431AF4}" type="datetimeFigureOut">
               <a:rPr lang="zh-CN" altLang="en-US" smtClean="0"/>
               <a:t>2024/3/10</a:t>
             </a:fld>
@@ -869,7 +869,7 @@
           <p:cNvPr id="5" name="页脚占位符 4">
             <a:extLst>
               <a:ext uri="{FF2B5EF4-FFF2-40B4-BE49-F238E27FC236}">
-                <a16:creationId xmlns:a16="http://schemas.microsoft.com/office/drawing/2014/main" id="{664F86B6-DC67-8638-9647-0FDE37D253B9}"/>
+                <a16:creationId xmlns:a16="http://schemas.microsoft.com/office/drawing/2014/main" id="{06169B0D-6014-FDBF-82F1-28984C247C1B}"/>
               </a:ext>
             </a:extLst>
           </p:cNvPr>
@@ -894,7 +894,7 @@
           <p:cNvPr id="6" name="灯片编号占位符 5">
             <a:extLst>
               <a:ext uri="{FF2B5EF4-FFF2-40B4-BE49-F238E27FC236}">
-                <a16:creationId xmlns:a16="http://schemas.microsoft.com/office/drawing/2014/main" id="{F5E7740F-35CE-1412-646E-A49CEB173622}"/>
+                <a16:creationId xmlns:a16="http://schemas.microsoft.com/office/drawing/2014/main" id="{A7E15C8E-AF0B-3DDC-1BB2-EAC063DC9393}"/>
               </a:ext>
             </a:extLst>
           </p:cNvPr>
@@ -910,7 +910,7 @@
           <a:bodyPr/>
           <a:lstStyle/>
           <a:p>
-            <a:fld id="{D10F5E9B-D785-4139-A7A2-68B410F144E6}" type="slidenum">
+            <a:fld id="{31C3466B-5ACE-4AA1-9E47-DA064A500066}" type="slidenum">
               <a:rPr lang="zh-CN" altLang="en-US" smtClean="0"/>
               <a:t>‹#›</a:t>
             </a:fld>
@@ -921,7 +921,7 @@
     </p:spTree>
     <p:extLst>
       <p:ext uri="{BB962C8B-B14F-4D97-AF65-F5344CB8AC3E}">
-        <p14:creationId xmlns:p14="http://schemas.microsoft.com/office/powerpoint/2010/main" val="2221185009"/>
+        <p14:creationId xmlns:p14="http://schemas.microsoft.com/office/powerpoint/2010/main" val="3463061278"/>
       </p:ext>
     </p:extLst>
   </p:cSld>
@@ -953,7 +953,7 @@
           <p:cNvPr id="2" name="标题 1">
             <a:extLst>
               <a:ext uri="{FF2B5EF4-FFF2-40B4-BE49-F238E27FC236}">
-                <a16:creationId xmlns:a16="http://schemas.microsoft.com/office/drawing/2014/main" id="{E3AC1923-953A-2BDD-4E02-18A3185F9B78}"/>
+                <a16:creationId xmlns:a16="http://schemas.microsoft.com/office/drawing/2014/main" id="{D04C2B11-255B-E620-CCE4-5BFD32B6311B}"/>
               </a:ext>
             </a:extLst>
           </p:cNvPr>
@@ -990,7 +990,7 @@
           <p:cNvPr id="3" name="文本占位符 2">
             <a:extLst>
               <a:ext uri="{FF2B5EF4-FFF2-40B4-BE49-F238E27FC236}">
-                <a16:creationId xmlns:a16="http://schemas.microsoft.com/office/drawing/2014/main" id="{8602F804-2F56-81C5-2194-F46F2D5B497E}"/>
+                <a16:creationId xmlns:a16="http://schemas.microsoft.com/office/drawing/2014/main" id="{19A73EE5-8FC0-43CB-4D54-EAEF1CC70A09}"/>
               </a:ext>
             </a:extLst>
           </p:cNvPr>
@@ -1115,7 +1115,7 @@
           <p:cNvPr id="4" name="日期占位符 3">
             <a:extLst>
               <a:ext uri="{FF2B5EF4-FFF2-40B4-BE49-F238E27FC236}">
-                <a16:creationId xmlns:a16="http://schemas.microsoft.com/office/drawing/2014/main" id="{19197B0A-8107-9640-2D2F-1C2F3CB9B56E}"/>
+                <a16:creationId xmlns:a16="http://schemas.microsoft.com/office/drawing/2014/main" id="{8DFF3E98-A48D-49F3-8277-4DA084DE39B3}"/>
               </a:ext>
             </a:extLst>
           </p:cNvPr>
@@ -1131,7 +1131,7 @@
           <a:bodyPr/>
           <a:lstStyle/>
           <a:p>
-            <a:fld id="{CF7C77BD-5365-45E4-95D4-07A5E043C1C2}" type="datetimeFigureOut">
+            <a:fld id="{5677939C-6B6B-40A6-9E40-32BF38431AF4}" type="datetimeFigureOut">
               <a:rPr lang="zh-CN" altLang="en-US" smtClean="0"/>
               <a:t>2024/3/10</a:t>
             </a:fld>
@@ -1144,7 +1144,7 @@
           <p:cNvPr id="5" name="页脚占位符 4">
             <a:extLst>
               <a:ext uri="{FF2B5EF4-FFF2-40B4-BE49-F238E27FC236}">
-                <a16:creationId xmlns:a16="http://schemas.microsoft.com/office/drawing/2014/main" id="{7942A9FB-FA8D-7B8E-CF14-B2A093CAAE9B}"/>
+                <a16:creationId xmlns:a16="http://schemas.microsoft.com/office/drawing/2014/main" id="{2047BBA4-CBDE-DA87-03C7-BB07F53E03C8}"/>
               </a:ext>
             </a:extLst>
           </p:cNvPr>
@@ -1169,7 +1169,7 @@
           <p:cNvPr id="6" name="灯片编号占位符 5">
             <a:extLst>
               <a:ext uri="{FF2B5EF4-FFF2-40B4-BE49-F238E27FC236}">
-                <a16:creationId xmlns:a16="http://schemas.microsoft.com/office/drawing/2014/main" id="{A64E1F06-CE2D-9D04-DF5D-3D64F1FCE6E4}"/>
+                <a16:creationId xmlns:a16="http://schemas.microsoft.com/office/drawing/2014/main" id="{E42A3648-4421-8FA9-A24F-F8B0C8C4E8FD}"/>
               </a:ext>
             </a:extLst>
           </p:cNvPr>
@@ -1185,7 +1185,7 @@
           <a:bodyPr/>
           <a:lstStyle/>
           <a:p>
-            <a:fld id="{D10F5E9B-D785-4139-A7A2-68B410F144E6}" type="slidenum">
+            <a:fld id="{31C3466B-5ACE-4AA1-9E47-DA064A500066}" type="slidenum">
               <a:rPr lang="zh-CN" altLang="en-US" smtClean="0"/>
               <a:t>‹#›</a:t>
             </a:fld>
@@ -1196,7 +1196,7 @@
     </p:spTree>
     <p:extLst>
       <p:ext uri="{BB962C8B-B14F-4D97-AF65-F5344CB8AC3E}">
-        <p14:creationId xmlns:p14="http://schemas.microsoft.com/office/powerpoint/2010/main" val="2010489993"/>
+        <p14:creationId xmlns:p14="http://schemas.microsoft.com/office/powerpoint/2010/main" val="2273235115"/>
       </p:ext>
     </p:extLst>
   </p:cSld>
@@ -1228,7 +1228,7 @@
           <p:cNvPr id="2" name="标题 1">
             <a:extLst>
               <a:ext uri="{FF2B5EF4-FFF2-40B4-BE49-F238E27FC236}">
-                <a16:creationId xmlns:a16="http://schemas.microsoft.com/office/drawing/2014/main" id="{2964ACDB-B015-5832-EAEB-A475387271EB}"/>
+                <a16:creationId xmlns:a16="http://schemas.microsoft.com/office/drawing/2014/main" id="{D383BE74-C0DF-5481-5403-B5010661C304}"/>
               </a:ext>
             </a:extLst>
           </p:cNvPr>
@@ -1256,7 +1256,7 @@
           <p:cNvPr id="3" name="内容占位符 2">
             <a:extLst>
               <a:ext uri="{FF2B5EF4-FFF2-40B4-BE49-F238E27FC236}">
-                <a16:creationId xmlns:a16="http://schemas.microsoft.com/office/drawing/2014/main" id="{333C3D29-C84D-1B7F-A756-464166B14B0F}"/>
+                <a16:creationId xmlns:a16="http://schemas.microsoft.com/office/drawing/2014/main" id="{0D23A9FA-423A-91B1-7B5C-DABB6388202B}"/>
               </a:ext>
             </a:extLst>
           </p:cNvPr>
@@ -1318,7 +1318,7 @@
           <p:cNvPr id="4" name="内容占位符 3">
             <a:extLst>
               <a:ext uri="{FF2B5EF4-FFF2-40B4-BE49-F238E27FC236}">
-                <a16:creationId xmlns:a16="http://schemas.microsoft.com/office/drawing/2014/main" id="{462BD471-FD76-E05F-81AB-56655783A6E0}"/>
+                <a16:creationId xmlns:a16="http://schemas.microsoft.com/office/drawing/2014/main" id="{C879DF39-FC89-0E42-409B-03E87C884282}"/>
               </a:ext>
             </a:extLst>
           </p:cNvPr>
@@ -1380,7 +1380,7 @@
           <p:cNvPr id="5" name="日期占位符 4">
             <a:extLst>
               <a:ext uri="{FF2B5EF4-FFF2-40B4-BE49-F238E27FC236}">
-                <a16:creationId xmlns:a16="http://schemas.microsoft.com/office/drawing/2014/main" id="{E3BDBA88-AF2A-3293-5C42-DA15ADB6D0C7}"/>
+                <a16:creationId xmlns:a16="http://schemas.microsoft.com/office/drawing/2014/main" id="{532E2E41-A033-A303-064F-F1BF8107BBE3}"/>
               </a:ext>
             </a:extLst>
           </p:cNvPr>
@@ -1396,7 +1396,7 @@
           <a:bodyPr/>
           <a:lstStyle/>
           <a:p>
-            <a:fld id="{CF7C77BD-5365-45E4-95D4-07A5E043C1C2}" type="datetimeFigureOut">
+            <a:fld id="{5677939C-6B6B-40A6-9E40-32BF38431AF4}" type="datetimeFigureOut">
               <a:rPr lang="zh-CN" altLang="en-US" smtClean="0"/>
               <a:t>2024/3/10</a:t>
             </a:fld>
@@ -1409,7 +1409,7 @@
           <p:cNvPr id="6" name="页脚占位符 5">
             <a:extLst>
               <a:ext uri="{FF2B5EF4-FFF2-40B4-BE49-F238E27FC236}">
-                <a16:creationId xmlns:a16="http://schemas.microsoft.com/office/drawing/2014/main" id="{5D912AF3-79EE-9E82-2EA2-0A4290094C15}"/>
+                <a16:creationId xmlns:a16="http://schemas.microsoft.com/office/drawing/2014/main" id="{D9843FB8-712E-B61A-72B4-A68597A2B001}"/>
               </a:ext>
             </a:extLst>
           </p:cNvPr>
@@ -1434,7 +1434,7 @@
           <p:cNvPr id="7" name="灯片编号占位符 6">
             <a:extLst>
               <a:ext uri="{FF2B5EF4-FFF2-40B4-BE49-F238E27FC236}">
-                <a16:creationId xmlns:a16="http://schemas.microsoft.com/office/drawing/2014/main" id="{512A1924-D7CC-539D-B84E-EE92F776E6C2}"/>
+                <a16:creationId xmlns:a16="http://schemas.microsoft.com/office/drawing/2014/main" id="{B73E3572-1444-2CDD-95FF-0BAC165DEADC}"/>
               </a:ext>
             </a:extLst>
           </p:cNvPr>
@@ -1450,7 +1450,7 @@
           <a:bodyPr/>
           <a:lstStyle/>
           <a:p>
-            <a:fld id="{D10F5E9B-D785-4139-A7A2-68B410F144E6}" type="slidenum">
+            <a:fld id="{31C3466B-5ACE-4AA1-9E47-DA064A500066}" type="slidenum">
               <a:rPr lang="zh-CN" altLang="en-US" smtClean="0"/>
               <a:t>‹#›</a:t>
             </a:fld>
@@ -1461,7 +1461,7 @@
     </p:spTree>
     <p:extLst>
       <p:ext uri="{BB962C8B-B14F-4D97-AF65-F5344CB8AC3E}">
-        <p14:creationId xmlns:p14="http://schemas.microsoft.com/office/powerpoint/2010/main" val="3649127323"/>
+        <p14:creationId xmlns:p14="http://schemas.microsoft.com/office/powerpoint/2010/main" val="181107592"/>
       </p:ext>
     </p:extLst>
   </p:cSld>
@@ -1493,7 +1493,7 @@
           <p:cNvPr id="2" name="标题 1">
             <a:extLst>
               <a:ext uri="{FF2B5EF4-FFF2-40B4-BE49-F238E27FC236}">
-                <a16:creationId xmlns:a16="http://schemas.microsoft.com/office/drawing/2014/main" id="{8FF1E4B6-B166-7217-69C8-72CF0F722088}"/>
+                <a16:creationId xmlns:a16="http://schemas.microsoft.com/office/drawing/2014/main" id="{AFD54AF7-7062-75A5-6CEE-17F4DB1D45FC}"/>
               </a:ext>
             </a:extLst>
           </p:cNvPr>
@@ -1526,7 +1526,7 @@
           <p:cNvPr id="3" name="文本占位符 2">
             <a:extLst>
               <a:ext uri="{FF2B5EF4-FFF2-40B4-BE49-F238E27FC236}">
-                <a16:creationId xmlns:a16="http://schemas.microsoft.com/office/drawing/2014/main" id="{A4281368-D2BA-1EBC-CD14-E45E868386A6}"/>
+                <a16:creationId xmlns:a16="http://schemas.microsoft.com/office/drawing/2014/main" id="{B8C611CC-2218-D269-3978-4CDE74BBACAF}"/>
               </a:ext>
             </a:extLst>
           </p:cNvPr>
@@ -1597,7 +1597,7 @@
           <p:cNvPr id="4" name="内容占位符 3">
             <a:extLst>
               <a:ext uri="{FF2B5EF4-FFF2-40B4-BE49-F238E27FC236}">
-                <a16:creationId xmlns:a16="http://schemas.microsoft.com/office/drawing/2014/main" id="{DC2701FD-84C9-559E-C8D1-C9C395936795}"/>
+                <a16:creationId xmlns:a16="http://schemas.microsoft.com/office/drawing/2014/main" id="{2F070F63-4C0E-DE48-94D5-C4EBAED459A8}"/>
               </a:ext>
             </a:extLst>
           </p:cNvPr>
@@ -1659,7 +1659,7 @@
           <p:cNvPr id="5" name="文本占位符 4">
             <a:extLst>
               <a:ext uri="{FF2B5EF4-FFF2-40B4-BE49-F238E27FC236}">
-                <a16:creationId xmlns:a16="http://schemas.microsoft.com/office/drawing/2014/main" id="{56BABC8B-434D-BFE8-4798-44A3F3D7776A}"/>
+                <a16:creationId xmlns:a16="http://schemas.microsoft.com/office/drawing/2014/main" id="{80DB6F06-CCEE-3433-DE80-47C5F6740198}"/>
               </a:ext>
             </a:extLst>
           </p:cNvPr>
@@ -1730,7 +1730,7 @@
           <p:cNvPr id="6" name="内容占位符 5">
             <a:extLst>
               <a:ext uri="{FF2B5EF4-FFF2-40B4-BE49-F238E27FC236}">
-                <a16:creationId xmlns:a16="http://schemas.microsoft.com/office/drawing/2014/main" id="{5E440BCA-F135-38B1-8D46-F28F6C68391D}"/>
+                <a16:creationId xmlns:a16="http://schemas.microsoft.com/office/drawing/2014/main" id="{732020C4-7732-B1D1-E72B-D593E3D62DFE}"/>
               </a:ext>
             </a:extLst>
           </p:cNvPr>
@@ -1792,7 +1792,7 @@
           <p:cNvPr id="7" name="日期占位符 6">
             <a:extLst>
               <a:ext uri="{FF2B5EF4-FFF2-40B4-BE49-F238E27FC236}">
-                <a16:creationId xmlns:a16="http://schemas.microsoft.com/office/drawing/2014/main" id="{757FAB4E-CE32-1291-315D-42487908BB57}"/>
+                <a16:creationId xmlns:a16="http://schemas.microsoft.com/office/drawing/2014/main" id="{8B8B1E06-9089-1AEF-16A4-71348F27E0D6}"/>
               </a:ext>
             </a:extLst>
           </p:cNvPr>
@@ -1808,7 +1808,7 @@
           <a:bodyPr/>
           <a:lstStyle/>
           <a:p>
-            <a:fld id="{CF7C77BD-5365-45E4-95D4-07A5E043C1C2}" type="datetimeFigureOut">
+            <a:fld id="{5677939C-6B6B-40A6-9E40-32BF38431AF4}" type="datetimeFigureOut">
               <a:rPr lang="zh-CN" altLang="en-US" smtClean="0"/>
               <a:t>2024/3/10</a:t>
             </a:fld>
@@ -1821,7 +1821,7 @@
           <p:cNvPr id="8" name="页脚占位符 7">
             <a:extLst>
               <a:ext uri="{FF2B5EF4-FFF2-40B4-BE49-F238E27FC236}">
-                <a16:creationId xmlns:a16="http://schemas.microsoft.com/office/drawing/2014/main" id="{2A98FAFB-50F9-F464-1F57-B77CEDE9CB2E}"/>
+                <a16:creationId xmlns:a16="http://schemas.microsoft.com/office/drawing/2014/main" id="{471D6D8F-D24C-C3B4-A14F-25D72421F223}"/>
               </a:ext>
             </a:extLst>
           </p:cNvPr>
@@ -1846,7 +1846,7 @@
           <p:cNvPr id="9" name="灯片编号占位符 8">
             <a:extLst>
               <a:ext uri="{FF2B5EF4-FFF2-40B4-BE49-F238E27FC236}">
-                <a16:creationId xmlns:a16="http://schemas.microsoft.com/office/drawing/2014/main" id="{3937BCA0-B354-2EB8-4742-722D61EB0504}"/>
+                <a16:creationId xmlns:a16="http://schemas.microsoft.com/office/drawing/2014/main" id="{BC67FC9B-B99D-D8FF-D42F-F500CF7F6679}"/>
               </a:ext>
             </a:extLst>
           </p:cNvPr>
@@ -1862,7 +1862,7 @@
           <a:bodyPr/>
           <a:lstStyle/>
           <a:p>
-            <a:fld id="{D10F5E9B-D785-4139-A7A2-68B410F144E6}" type="slidenum">
+            <a:fld id="{31C3466B-5ACE-4AA1-9E47-DA064A500066}" type="slidenum">
               <a:rPr lang="zh-CN" altLang="en-US" smtClean="0"/>
               <a:t>‹#›</a:t>
             </a:fld>
@@ -1873,7 +1873,7 @@
     </p:spTree>
     <p:extLst>
       <p:ext uri="{BB962C8B-B14F-4D97-AF65-F5344CB8AC3E}">
-        <p14:creationId xmlns:p14="http://schemas.microsoft.com/office/powerpoint/2010/main" val="4125996291"/>
+        <p14:creationId xmlns:p14="http://schemas.microsoft.com/office/powerpoint/2010/main" val="3066522252"/>
       </p:ext>
     </p:extLst>
   </p:cSld>
@@ -1905,7 +1905,7 @@
           <p:cNvPr id="2" name="标题 1">
             <a:extLst>
               <a:ext uri="{FF2B5EF4-FFF2-40B4-BE49-F238E27FC236}">
-                <a16:creationId xmlns:a16="http://schemas.microsoft.com/office/drawing/2014/main" id="{BA37B140-D060-E5E8-A37E-E22A0A3A8ABA}"/>
+                <a16:creationId xmlns:a16="http://schemas.microsoft.com/office/drawing/2014/main" id="{4F15254C-5776-6785-F38C-83F9E899AA3C}"/>
               </a:ext>
             </a:extLst>
           </p:cNvPr>
@@ -1933,7 +1933,7 @@
           <p:cNvPr id="3" name="日期占位符 2">
             <a:extLst>
               <a:ext uri="{FF2B5EF4-FFF2-40B4-BE49-F238E27FC236}">
-                <a16:creationId xmlns:a16="http://schemas.microsoft.com/office/drawing/2014/main" id="{A27C50F9-9AE8-DC1A-B37D-8009097227F7}"/>
+                <a16:creationId xmlns:a16="http://schemas.microsoft.com/office/drawing/2014/main" id="{728104B1-4099-4343-6247-62A968AC7977}"/>
               </a:ext>
             </a:extLst>
           </p:cNvPr>
@@ -1949,7 +1949,7 @@
           <a:bodyPr/>
           <a:lstStyle/>
           <a:p>
-            <a:fld id="{CF7C77BD-5365-45E4-95D4-07A5E043C1C2}" type="datetimeFigureOut">
+            <a:fld id="{5677939C-6B6B-40A6-9E40-32BF38431AF4}" type="datetimeFigureOut">
               <a:rPr lang="zh-CN" altLang="en-US" smtClean="0"/>
               <a:t>2024/3/10</a:t>
             </a:fld>
@@ -1962,7 +1962,7 @@
           <p:cNvPr id="4" name="页脚占位符 3">
             <a:extLst>
               <a:ext uri="{FF2B5EF4-FFF2-40B4-BE49-F238E27FC236}">
-                <a16:creationId xmlns:a16="http://schemas.microsoft.com/office/drawing/2014/main" id="{CBEAB717-FE10-F9F9-E7D8-4AB82D564D97}"/>
+                <a16:creationId xmlns:a16="http://schemas.microsoft.com/office/drawing/2014/main" id="{6FC11EB3-3B72-C553-2AEB-1A2D05BCFA1A}"/>
               </a:ext>
             </a:extLst>
           </p:cNvPr>
@@ -1987,7 +1987,7 @@
           <p:cNvPr id="5" name="灯片编号占位符 4">
             <a:extLst>
               <a:ext uri="{FF2B5EF4-FFF2-40B4-BE49-F238E27FC236}">
-                <a16:creationId xmlns:a16="http://schemas.microsoft.com/office/drawing/2014/main" id="{652A17FE-0EB9-D041-5643-CD807B96D761}"/>
+                <a16:creationId xmlns:a16="http://schemas.microsoft.com/office/drawing/2014/main" id="{5B236F30-ECAC-C22C-6380-8B326AF2F66E}"/>
               </a:ext>
             </a:extLst>
           </p:cNvPr>
@@ -2003,7 +2003,7 @@
           <a:bodyPr/>
           <a:lstStyle/>
           <a:p>
-            <a:fld id="{D10F5E9B-D785-4139-A7A2-68B410F144E6}" type="slidenum">
+            <a:fld id="{31C3466B-5ACE-4AA1-9E47-DA064A500066}" type="slidenum">
               <a:rPr lang="zh-CN" altLang="en-US" smtClean="0"/>
               <a:t>‹#›</a:t>
             </a:fld>
@@ -2014,7 +2014,7 @@
     </p:spTree>
     <p:extLst>
       <p:ext uri="{BB962C8B-B14F-4D97-AF65-F5344CB8AC3E}">
-        <p14:creationId xmlns:p14="http://schemas.microsoft.com/office/powerpoint/2010/main" val="1297834901"/>
+        <p14:creationId xmlns:p14="http://schemas.microsoft.com/office/powerpoint/2010/main" val="3259158806"/>
       </p:ext>
     </p:extLst>
   </p:cSld>
@@ -2046,7 +2046,7 @@
           <p:cNvPr id="2" name="日期占位符 1">
             <a:extLst>
               <a:ext uri="{FF2B5EF4-FFF2-40B4-BE49-F238E27FC236}">
-                <a16:creationId xmlns:a16="http://schemas.microsoft.com/office/drawing/2014/main" id="{5209E636-CFC1-A4CA-57A1-4ED5E8B7FBAA}"/>
+                <a16:creationId xmlns:a16="http://schemas.microsoft.com/office/drawing/2014/main" id="{2BE0F6B5-6A98-8BBE-21FF-4931BA9396BE}"/>
               </a:ext>
             </a:extLst>
           </p:cNvPr>
@@ -2062,7 +2062,7 @@
           <a:bodyPr/>
           <a:lstStyle/>
           <a:p>
-            <a:fld id="{CF7C77BD-5365-45E4-95D4-07A5E043C1C2}" type="datetimeFigureOut">
+            <a:fld id="{5677939C-6B6B-40A6-9E40-32BF38431AF4}" type="datetimeFigureOut">
               <a:rPr lang="zh-CN" altLang="en-US" smtClean="0"/>
               <a:t>2024/3/10</a:t>
             </a:fld>
@@ -2075,7 +2075,7 @@
           <p:cNvPr id="3" name="页脚占位符 2">
             <a:extLst>
               <a:ext uri="{FF2B5EF4-FFF2-40B4-BE49-F238E27FC236}">
-                <a16:creationId xmlns:a16="http://schemas.microsoft.com/office/drawing/2014/main" id="{539497B4-39E1-7A24-C827-880CF0CAC16E}"/>
+                <a16:creationId xmlns:a16="http://schemas.microsoft.com/office/drawing/2014/main" id="{8313CC99-FFD7-6B13-A0F2-BA8865DE3368}"/>
               </a:ext>
             </a:extLst>
           </p:cNvPr>
@@ -2100,7 +2100,7 @@
           <p:cNvPr id="4" name="灯片编号占位符 3">
             <a:extLst>
               <a:ext uri="{FF2B5EF4-FFF2-40B4-BE49-F238E27FC236}">
-                <a16:creationId xmlns:a16="http://schemas.microsoft.com/office/drawing/2014/main" id="{D9290F2F-ADCC-D345-A3D2-01FE91289972}"/>
+                <a16:creationId xmlns:a16="http://schemas.microsoft.com/office/drawing/2014/main" id="{C4B560C4-B941-1724-D0A9-E700BDA7B695}"/>
               </a:ext>
             </a:extLst>
           </p:cNvPr>
@@ -2116,7 +2116,7 @@
           <a:bodyPr/>
           <a:lstStyle/>
           <a:p>
-            <a:fld id="{D10F5E9B-D785-4139-A7A2-68B410F144E6}" type="slidenum">
+            <a:fld id="{31C3466B-5ACE-4AA1-9E47-DA064A500066}" type="slidenum">
               <a:rPr lang="zh-CN" altLang="en-US" smtClean="0"/>
               <a:t>‹#›</a:t>
             </a:fld>
@@ -2127,7 +2127,7 @@
     </p:spTree>
     <p:extLst>
       <p:ext uri="{BB962C8B-B14F-4D97-AF65-F5344CB8AC3E}">
-        <p14:creationId xmlns:p14="http://schemas.microsoft.com/office/powerpoint/2010/main" val="1438767824"/>
+        <p14:creationId xmlns:p14="http://schemas.microsoft.com/office/powerpoint/2010/main" val="2814082967"/>
       </p:ext>
     </p:extLst>
   </p:cSld>
@@ -2159,7 +2159,7 @@
           <p:cNvPr id="2" name="标题 1">
             <a:extLst>
               <a:ext uri="{FF2B5EF4-FFF2-40B4-BE49-F238E27FC236}">
-                <a16:creationId xmlns:a16="http://schemas.microsoft.com/office/drawing/2014/main" id="{3413D3D9-7A23-29A1-399F-2BBAD86E0C5D}"/>
+                <a16:creationId xmlns:a16="http://schemas.microsoft.com/office/drawing/2014/main" id="{6FAE9A04-E0AE-76BB-6A0B-6C4F78BE2334}"/>
               </a:ext>
             </a:extLst>
           </p:cNvPr>
@@ -2196,7 +2196,7 @@
           <p:cNvPr id="3" name="内容占位符 2">
             <a:extLst>
               <a:ext uri="{FF2B5EF4-FFF2-40B4-BE49-F238E27FC236}">
-                <a16:creationId xmlns:a16="http://schemas.microsoft.com/office/drawing/2014/main" id="{67B8EB8E-0898-B8BE-3371-56F97FAE0E1F}"/>
+                <a16:creationId xmlns:a16="http://schemas.microsoft.com/office/drawing/2014/main" id="{9D288746-CB11-E0CC-637B-4168EA682ADC}"/>
               </a:ext>
             </a:extLst>
           </p:cNvPr>
@@ -2286,7 +2286,7 @@
           <p:cNvPr id="4" name="文本占位符 3">
             <a:extLst>
               <a:ext uri="{FF2B5EF4-FFF2-40B4-BE49-F238E27FC236}">
-                <a16:creationId xmlns:a16="http://schemas.microsoft.com/office/drawing/2014/main" id="{FC398FA7-798A-A288-0C4B-0E8FC6454733}"/>
+                <a16:creationId xmlns:a16="http://schemas.microsoft.com/office/drawing/2014/main" id="{85AFC763-4027-75C2-FD99-F8459E086183}"/>
               </a:ext>
             </a:extLst>
           </p:cNvPr>
@@ -2357,7 +2357,7 @@
           <p:cNvPr id="5" name="日期占位符 4">
             <a:extLst>
               <a:ext uri="{FF2B5EF4-FFF2-40B4-BE49-F238E27FC236}">
-                <a16:creationId xmlns:a16="http://schemas.microsoft.com/office/drawing/2014/main" id="{BEF1318B-8B92-723D-06B4-1FA049DF11F6}"/>
+                <a16:creationId xmlns:a16="http://schemas.microsoft.com/office/drawing/2014/main" id="{3D50339D-FFA6-C6C2-B3BF-03EFF4D3489F}"/>
               </a:ext>
             </a:extLst>
           </p:cNvPr>
@@ -2373,7 +2373,7 @@
           <a:bodyPr/>
           <a:lstStyle/>
           <a:p>
-            <a:fld id="{CF7C77BD-5365-45E4-95D4-07A5E043C1C2}" type="datetimeFigureOut">
+            <a:fld id="{5677939C-6B6B-40A6-9E40-32BF38431AF4}" type="datetimeFigureOut">
               <a:rPr lang="zh-CN" altLang="en-US" smtClean="0"/>
               <a:t>2024/3/10</a:t>
             </a:fld>
@@ -2386,7 +2386,7 @@
           <p:cNvPr id="6" name="页脚占位符 5">
             <a:extLst>
               <a:ext uri="{FF2B5EF4-FFF2-40B4-BE49-F238E27FC236}">
-                <a16:creationId xmlns:a16="http://schemas.microsoft.com/office/drawing/2014/main" id="{BCC6610C-71E9-637B-E104-73C2EC94B892}"/>
+                <a16:creationId xmlns:a16="http://schemas.microsoft.com/office/drawing/2014/main" id="{CAE98509-D3E2-F934-7667-3EF3DE89BAC6}"/>
               </a:ext>
             </a:extLst>
           </p:cNvPr>
@@ -2411,7 +2411,7 @@
           <p:cNvPr id="7" name="灯片编号占位符 6">
             <a:extLst>
               <a:ext uri="{FF2B5EF4-FFF2-40B4-BE49-F238E27FC236}">
-                <a16:creationId xmlns:a16="http://schemas.microsoft.com/office/drawing/2014/main" id="{5E1F90E2-575F-465D-97F4-D0DA62984948}"/>
+                <a16:creationId xmlns:a16="http://schemas.microsoft.com/office/drawing/2014/main" id="{A86E2110-6D3E-C035-E82F-09D54501D658}"/>
               </a:ext>
             </a:extLst>
           </p:cNvPr>
@@ -2427,7 +2427,7 @@
           <a:bodyPr/>
           <a:lstStyle/>
           <a:p>
-            <a:fld id="{D10F5E9B-D785-4139-A7A2-68B410F144E6}" type="slidenum">
+            <a:fld id="{31C3466B-5ACE-4AA1-9E47-DA064A500066}" type="slidenum">
               <a:rPr lang="zh-CN" altLang="en-US" smtClean="0"/>
               <a:t>‹#›</a:t>
             </a:fld>
@@ -2438,7 +2438,7 @@
     </p:spTree>
     <p:extLst>
       <p:ext uri="{BB962C8B-B14F-4D97-AF65-F5344CB8AC3E}">
-        <p14:creationId xmlns:p14="http://schemas.microsoft.com/office/powerpoint/2010/main" val="2091172572"/>
+        <p14:creationId xmlns:p14="http://schemas.microsoft.com/office/powerpoint/2010/main" val="494468428"/>
       </p:ext>
     </p:extLst>
   </p:cSld>
@@ -2470,7 +2470,7 @@
           <p:cNvPr id="2" name="标题 1">
             <a:extLst>
               <a:ext uri="{FF2B5EF4-FFF2-40B4-BE49-F238E27FC236}">
-                <a16:creationId xmlns:a16="http://schemas.microsoft.com/office/drawing/2014/main" id="{3C8875C8-46C9-4B22-7E55-508943ACAB82}"/>
+                <a16:creationId xmlns:a16="http://schemas.microsoft.com/office/drawing/2014/main" id="{22AAE16F-09D6-38D0-B267-905121282EB5}"/>
               </a:ext>
             </a:extLst>
           </p:cNvPr>
@@ -2507,7 +2507,7 @@
           <p:cNvPr id="3" name="图片占位符 2">
             <a:extLst>
               <a:ext uri="{FF2B5EF4-FFF2-40B4-BE49-F238E27FC236}">
-                <a16:creationId xmlns:a16="http://schemas.microsoft.com/office/drawing/2014/main" id="{BFAABF99-DA7B-3925-7DD9-6F7A4A499989}"/>
+                <a16:creationId xmlns:a16="http://schemas.microsoft.com/office/drawing/2014/main" id="{E7FA4DB8-5575-3F73-3EDF-360151FEEED9}"/>
               </a:ext>
             </a:extLst>
           </p:cNvPr>
@@ -2574,7 +2574,7 @@
           <p:cNvPr id="4" name="文本占位符 3">
             <a:extLst>
               <a:ext uri="{FF2B5EF4-FFF2-40B4-BE49-F238E27FC236}">
-                <a16:creationId xmlns:a16="http://schemas.microsoft.com/office/drawing/2014/main" id="{2953E48A-36D8-7F59-F35A-0B1B5754BD86}"/>
+                <a16:creationId xmlns:a16="http://schemas.microsoft.com/office/drawing/2014/main" id="{D2DC99D6-A6BC-5FE0-55F3-2218CDDE99B7}"/>
               </a:ext>
             </a:extLst>
           </p:cNvPr>
@@ -2645,7 +2645,7 @@
           <p:cNvPr id="5" name="日期占位符 4">
             <a:extLst>
               <a:ext uri="{FF2B5EF4-FFF2-40B4-BE49-F238E27FC236}">
-                <a16:creationId xmlns:a16="http://schemas.microsoft.com/office/drawing/2014/main" id="{98DF1D7E-EE03-F984-92CF-644E87ECB2E9}"/>
+                <a16:creationId xmlns:a16="http://schemas.microsoft.com/office/drawing/2014/main" id="{320C7649-8947-2C5A-2D51-CB5CDD19E774}"/>
               </a:ext>
             </a:extLst>
           </p:cNvPr>
@@ -2661,7 +2661,7 @@
           <a:bodyPr/>
           <a:lstStyle/>
           <a:p>
-            <a:fld id="{CF7C77BD-5365-45E4-95D4-07A5E043C1C2}" type="datetimeFigureOut">
+            <a:fld id="{5677939C-6B6B-40A6-9E40-32BF38431AF4}" type="datetimeFigureOut">
               <a:rPr lang="zh-CN" altLang="en-US" smtClean="0"/>
               <a:t>2024/3/10</a:t>
             </a:fld>
@@ -2674,7 +2674,7 @@
           <p:cNvPr id="6" name="页脚占位符 5">
             <a:extLst>
               <a:ext uri="{FF2B5EF4-FFF2-40B4-BE49-F238E27FC236}">
-                <a16:creationId xmlns:a16="http://schemas.microsoft.com/office/drawing/2014/main" id="{B11CB2BA-79D8-EFA5-7883-5A0C8866D523}"/>
+                <a16:creationId xmlns:a16="http://schemas.microsoft.com/office/drawing/2014/main" id="{F173A3A9-105A-F9E8-FE50-79653E6985B9}"/>
               </a:ext>
             </a:extLst>
           </p:cNvPr>
@@ -2699,7 +2699,7 @@
           <p:cNvPr id="7" name="灯片编号占位符 6">
             <a:extLst>
               <a:ext uri="{FF2B5EF4-FFF2-40B4-BE49-F238E27FC236}">
-                <a16:creationId xmlns:a16="http://schemas.microsoft.com/office/drawing/2014/main" id="{0CDFD7F6-058E-8A77-0BEE-DACCD2A248D7}"/>
+                <a16:creationId xmlns:a16="http://schemas.microsoft.com/office/drawing/2014/main" id="{2A88DF5C-F9FB-1C6A-9B9C-C46184724EE7}"/>
               </a:ext>
             </a:extLst>
           </p:cNvPr>
@@ -2715,7 +2715,7 @@
           <a:bodyPr/>
           <a:lstStyle/>
           <a:p>
-            <a:fld id="{D10F5E9B-D785-4139-A7A2-68B410F144E6}" type="slidenum">
+            <a:fld id="{31C3466B-5ACE-4AA1-9E47-DA064A500066}" type="slidenum">
               <a:rPr lang="zh-CN" altLang="en-US" smtClean="0"/>
               <a:t>‹#›</a:t>
             </a:fld>
@@ -2726,7 +2726,7 @@
     </p:spTree>
     <p:extLst>
       <p:ext uri="{BB962C8B-B14F-4D97-AF65-F5344CB8AC3E}">
-        <p14:creationId xmlns:p14="http://schemas.microsoft.com/office/powerpoint/2010/main" val="3536099021"/>
+        <p14:creationId xmlns:p14="http://schemas.microsoft.com/office/powerpoint/2010/main" val="4091234182"/>
       </p:ext>
     </p:extLst>
   </p:cSld>
@@ -2763,7 +2763,7 @@
           <p:cNvPr id="2" name="标题占位符 1">
             <a:extLst>
               <a:ext uri="{FF2B5EF4-FFF2-40B4-BE49-F238E27FC236}">
-                <a16:creationId xmlns:a16="http://schemas.microsoft.com/office/drawing/2014/main" id="{DB1D94EA-D8EE-17DE-910E-FEE37DAB6CA1}"/>
+                <a16:creationId xmlns:a16="http://schemas.microsoft.com/office/drawing/2014/main" id="{289EEB72-3494-6ABE-F7FA-1FEE68CF4BAB}"/>
               </a:ext>
             </a:extLst>
           </p:cNvPr>
@@ -2801,7 +2801,7 @@
           <p:cNvPr id="3" name="文本占位符 2">
             <a:extLst>
               <a:ext uri="{FF2B5EF4-FFF2-40B4-BE49-F238E27FC236}">
-                <a16:creationId xmlns:a16="http://schemas.microsoft.com/office/drawing/2014/main" id="{5E5A76ED-B0E9-925B-8076-DB3583F88970}"/>
+                <a16:creationId xmlns:a16="http://schemas.microsoft.com/office/drawing/2014/main" id="{15E19163-A242-B999-7CC8-5ADC602D3926}"/>
               </a:ext>
             </a:extLst>
           </p:cNvPr>
@@ -2868,7 +2868,7 @@
           <p:cNvPr id="4" name="日期占位符 3">
             <a:extLst>
               <a:ext uri="{FF2B5EF4-FFF2-40B4-BE49-F238E27FC236}">
-                <a16:creationId xmlns:a16="http://schemas.microsoft.com/office/drawing/2014/main" id="{89914145-A46A-E5CB-DC07-E2320475897A}"/>
+                <a16:creationId xmlns:a16="http://schemas.microsoft.com/office/drawing/2014/main" id="{F0BEEF33-8532-7D60-33C0-BC69A3C3324C}"/>
               </a:ext>
             </a:extLst>
           </p:cNvPr>
@@ -2902,7 +2902,7 @@
             </a:lvl1pPr>
           </a:lstStyle>
           <a:p>
-            <a:fld id="{CF7C77BD-5365-45E4-95D4-07A5E043C1C2}" type="datetimeFigureOut">
+            <a:fld id="{5677939C-6B6B-40A6-9E40-32BF38431AF4}" type="datetimeFigureOut">
               <a:rPr lang="zh-CN" altLang="en-US" smtClean="0"/>
               <a:t>2024/3/10</a:t>
             </a:fld>
@@ -2915,7 +2915,7 @@
           <p:cNvPr id="5" name="页脚占位符 4">
             <a:extLst>
               <a:ext uri="{FF2B5EF4-FFF2-40B4-BE49-F238E27FC236}">
-                <a16:creationId xmlns:a16="http://schemas.microsoft.com/office/drawing/2014/main" id="{5E808B65-1006-27A0-36ED-FCAFF9ECAF65}"/>
+                <a16:creationId xmlns:a16="http://schemas.microsoft.com/office/drawing/2014/main" id="{7D88EA09-9D48-E70F-51C6-3727006CA2D2}"/>
               </a:ext>
             </a:extLst>
           </p:cNvPr>
@@ -2958,7 +2958,7 @@
           <p:cNvPr id="6" name="灯片编号占位符 5">
             <a:extLst>
               <a:ext uri="{FF2B5EF4-FFF2-40B4-BE49-F238E27FC236}">
-                <a16:creationId xmlns:a16="http://schemas.microsoft.com/office/drawing/2014/main" id="{48C5A7C7-8B15-6F5D-47C4-41EED689C179}"/>
+                <a16:creationId xmlns:a16="http://schemas.microsoft.com/office/drawing/2014/main" id="{F17ABE58-CF90-91E7-4F15-0D8B6D82AF09}"/>
               </a:ext>
             </a:extLst>
           </p:cNvPr>
@@ -2992,7 +2992,7 @@
             </a:lvl1pPr>
           </a:lstStyle>
           <a:p>
-            <a:fld id="{D10F5E9B-D785-4139-A7A2-68B410F144E6}" type="slidenum">
+            <a:fld id="{31C3466B-5ACE-4AA1-9E47-DA064A500066}" type="slidenum">
               <a:rPr lang="zh-CN" altLang="en-US" smtClean="0"/>
               <a:t>‹#›</a:t>
             </a:fld>
@@ -3003,7 +3003,7 @@
     </p:spTree>
     <p:extLst>
       <p:ext uri="{BB962C8B-B14F-4D97-AF65-F5344CB8AC3E}">
-        <p14:creationId xmlns:p14="http://schemas.microsoft.com/office/powerpoint/2010/main" val="1792870370"/>
+        <p14:creationId xmlns:p14="http://schemas.microsoft.com/office/powerpoint/2010/main" val="553633560"/>
       </p:ext>
     </p:extLst>
   </p:cSld>
